--- a/Молодык_А_А.pptx
+++ b/Молодык_А_А.pptx
@@ -11,12 +11,14 @@
     <p:sldId id="261" r:id="rId5"/>
     <p:sldId id="262" r:id="rId6"/>
     <p:sldId id="295" r:id="rId7"/>
-    <p:sldId id="294" r:id="rId8"/>
-    <p:sldId id="296" r:id="rId9"/>
-    <p:sldId id="297" r:id="rId10"/>
-    <p:sldId id="299" r:id="rId11"/>
-    <p:sldId id="298" r:id="rId12"/>
-    <p:sldId id="260" r:id="rId13"/>
+    <p:sldId id="300" r:id="rId8"/>
+    <p:sldId id="294" r:id="rId9"/>
+    <p:sldId id="301" r:id="rId10"/>
+    <p:sldId id="296" r:id="rId11"/>
+    <p:sldId id="297" r:id="rId12"/>
+    <p:sldId id="299" r:id="rId13"/>
+    <p:sldId id="298" r:id="rId14"/>
+    <p:sldId id="260" r:id="rId15"/>
   </p:sldIdLst>
   <p:sldSz cx="12192000" cy="6858000"/>
   <p:notesSz cx="6858000" cy="9144000"/>
@@ -665,7 +667,7 @@
             </a:pPr>
             <a:fld id="{1D8BD707-D9CF-40AE-B4C6-C98DA3205C09}" type="datetimeFigureOut">
               <a:rPr lang="en-US"/>
-              <a:t>11/3/2024</a:t>
+              <a:t>11/5/2024</a:t>
             </a:fld>
             <a:endParaRPr lang="en-US"/>
           </a:p>
@@ -1180,7 +1182,7 @@
           <a:p>
             <a:fld id="{4583FB6F-ACA5-4987-9D7D-422181772236}" type="datetimeFigureOut">
               <a:rPr lang="ru-RU" smtClean="0"/>
-              <a:t>03.11.2024</a:t>
+              <a:t>05.11.2024</a:t>
             </a:fld>
             <a:endParaRPr lang="ru-RU"/>
           </a:p>
@@ -2286,7 +2288,7 @@
           <a:p>
             <a:fld id="{4583FB6F-ACA5-4987-9D7D-422181772236}" type="datetimeFigureOut">
               <a:rPr lang="ru-RU" smtClean="0"/>
-              <a:t>03.11.2024</a:t>
+              <a:t>05.11.2024</a:t>
             </a:fld>
             <a:endParaRPr lang="ru-RU"/>
           </a:p>
@@ -2504,7 +2506,7 @@
             </a:pPr>
             <a:fld id="{1D8BD707-D9CF-40AE-B4C6-C98DA3205C09}" type="datetimeFigureOut">
               <a:rPr lang="en-US"/>
-              <a:t>11/3/2024</a:t>
+              <a:t>11/5/2024</a:t>
             </a:fld>
             <a:endParaRPr lang="en-US"/>
           </a:p>
@@ -2731,7 +2733,7 @@
           <a:p>
             <a:fld id="{4583FB6F-ACA5-4987-9D7D-422181772236}" type="datetimeFigureOut">
               <a:rPr lang="ru-RU" smtClean="0"/>
-              <a:t>03.11.2024</a:t>
+              <a:t>05.11.2024</a:t>
             </a:fld>
             <a:endParaRPr lang="ru-RU"/>
           </a:p>
@@ -3332,6 +3334,489 @@
                 <a:latin typeface="SB Sans Display Light" panose="020B0303040504020204" pitchFamily="34" charset="0"/>
                 <a:cs typeface="SB Sans Display Light" panose="020B0303040504020204" pitchFamily="34" charset="0"/>
               </a:rPr>
+              <a:t>Распределение ЗП по департаментам</a:t>
+            </a:r>
+            <a:endParaRPr lang="en-US" sz="4000" dirty="0">
+              <a:solidFill>
+                <a:srgbClr val="333F48"/>
+              </a:solidFill>
+              <a:latin typeface="SB Sans Display Light" panose="020B0303040504020204" pitchFamily="34" charset="0"/>
+              <a:cs typeface="SB Sans Display Light" panose="020B0303040504020204" pitchFamily="34" charset="0"/>
+            </a:endParaRPr>
+          </a:p>
+        </p:txBody>
+      </p:sp>
+      <p:pic>
+        <p:nvPicPr>
+          <p:cNvPr id="3" name="Рисунок 2">
+            <a:extLst>
+              <a:ext uri="{FF2B5EF4-FFF2-40B4-BE49-F238E27FC236}">
+                <a16:creationId xmlns:a16="http://schemas.microsoft.com/office/drawing/2014/main" id="{27406BE4-8063-407E-A64A-C959098FEF26}"/>
+              </a:ext>
+            </a:extLst>
+          </p:cNvPr>
+          <p:cNvPicPr>
+            <a:picLocks noChangeAspect="1"/>
+          </p:cNvPicPr>
+          <p:nvPr/>
+        </p:nvPicPr>
+        <p:blipFill>
+          <a:blip r:embed="rId2">
+            <a:extLst>
+              <a:ext uri="{28A0092B-C50C-407E-A947-70E740481C1C}">
+                <a14:useLocalDpi xmlns:a14="http://schemas.microsoft.com/office/drawing/2010/main" val="0"/>
+              </a:ext>
+            </a:extLst>
+          </a:blip>
+          <a:stretch>
+            <a:fillRect/>
+          </a:stretch>
+        </p:blipFill>
+        <p:spPr>
+          <a:xfrm>
+            <a:off x="0" y="761117"/>
+            <a:ext cx="6220037" cy="2591683"/>
+          </a:xfrm>
+          <a:prstGeom prst="rect">
+            <a:avLst/>
+          </a:prstGeom>
+        </p:spPr>
+      </p:pic>
+      <p:pic>
+        <p:nvPicPr>
+          <p:cNvPr id="6" name="Рисунок 5">
+            <a:extLst>
+              <a:ext uri="{FF2B5EF4-FFF2-40B4-BE49-F238E27FC236}">
+                <a16:creationId xmlns:a16="http://schemas.microsoft.com/office/drawing/2014/main" id="{010E305C-01B0-4072-A7AD-1B266C74DDCC}"/>
+              </a:ext>
+            </a:extLst>
+          </p:cNvPr>
+          <p:cNvPicPr>
+            <a:picLocks noChangeAspect="1"/>
+          </p:cNvPicPr>
+          <p:nvPr/>
+        </p:nvPicPr>
+        <p:blipFill>
+          <a:blip r:embed="rId3">
+            <a:extLst>
+              <a:ext uri="{28A0092B-C50C-407E-A947-70E740481C1C}">
+                <a14:useLocalDpi xmlns:a14="http://schemas.microsoft.com/office/drawing/2010/main" val="0"/>
+              </a:ext>
+            </a:extLst>
+          </a:blip>
+          <a:stretch>
+            <a:fillRect/>
+          </a:stretch>
+        </p:blipFill>
+        <p:spPr>
+          <a:xfrm>
+            <a:off x="5833533" y="756139"/>
+            <a:ext cx="6231987" cy="2596661"/>
+          </a:xfrm>
+          <a:prstGeom prst="rect">
+            <a:avLst/>
+          </a:prstGeom>
+        </p:spPr>
+      </p:pic>
+      <p:pic>
+        <p:nvPicPr>
+          <p:cNvPr id="11" name="Рисунок 10">
+            <a:extLst>
+              <a:ext uri="{FF2B5EF4-FFF2-40B4-BE49-F238E27FC236}">
+                <a16:creationId xmlns:a16="http://schemas.microsoft.com/office/drawing/2014/main" id="{B18BD348-D503-48BB-B15A-2A2299B63F90}"/>
+              </a:ext>
+            </a:extLst>
+          </p:cNvPr>
+          <p:cNvPicPr>
+            <a:picLocks noChangeAspect="1"/>
+          </p:cNvPicPr>
+          <p:nvPr/>
+        </p:nvPicPr>
+        <p:blipFill>
+          <a:blip r:embed="rId4">
+            <a:extLst>
+              <a:ext uri="{28A0092B-C50C-407E-A947-70E740481C1C}">
+                <a14:useLocalDpi xmlns:a14="http://schemas.microsoft.com/office/drawing/2010/main" val="0"/>
+              </a:ext>
+            </a:extLst>
+          </a:blip>
+          <a:stretch>
+            <a:fillRect/>
+          </a:stretch>
+        </p:blipFill>
+        <p:spPr>
+          <a:xfrm>
+            <a:off x="0" y="3505201"/>
+            <a:ext cx="6220038" cy="2591682"/>
+          </a:xfrm>
+          <a:prstGeom prst="rect">
+            <a:avLst/>
+          </a:prstGeom>
+        </p:spPr>
+      </p:pic>
+      <p:sp>
+        <p:nvSpPr>
+          <p:cNvPr id="7" name="TextBox 6">
+            <a:extLst>
+              <a:ext uri="{FF2B5EF4-FFF2-40B4-BE49-F238E27FC236}">
+                <a16:creationId xmlns:a16="http://schemas.microsoft.com/office/drawing/2014/main" id="{3DA7FB33-60E0-450E-94C2-09DF142231EB}"/>
+              </a:ext>
+            </a:extLst>
+          </p:cNvPr>
+          <p:cNvSpPr txBox="1"/>
+          <p:nvPr/>
+        </p:nvSpPr>
+        <p:spPr>
+          <a:xfrm>
+            <a:off x="5735515" y="3536457"/>
+            <a:ext cx="6271910" cy="1077218"/>
+          </a:xfrm>
+          <a:prstGeom prst="rect">
+            <a:avLst/>
+          </a:prstGeom>
+          <a:noFill/>
+        </p:spPr>
+        <p:txBody>
+          <a:bodyPr wrap="square" rtlCol="0">
+            <a:spAutoFit/>
+          </a:bodyPr>
+          <a:lstStyle/>
+          <a:p>
+            <a:r>
+              <a:rPr lang="ru-RU" sz="1600" dirty="0">
+                <a:latin typeface="SB Sans Text" panose="020B0503040504020204"/>
+                <a:cs typeface="SB Sans Text" panose="020B0503040504020204" pitchFamily="34" charset="-52"/>
+              </a:rPr>
+              <a:t>Общие расходы на базовая плата, переработки и льготы в полиции выше других департаментов.</a:t>
+            </a:r>
+          </a:p>
+          <a:p>
+            <a:r>
+              <a:rPr lang="ru-RU" sz="1600" dirty="0">
+                <a:latin typeface="SB Sans Text" panose="020B0503040504020204"/>
+                <a:cs typeface="SB Sans Text" panose="020B0503040504020204" pitchFamily="34" charset="-52"/>
+              </a:rPr>
+              <a:t>В целом по всем департаментам расходы на персонал имеют положительную динамику.</a:t>
+            </a:r>
+          </a:p>
+        </p:txBody>
+      </p:sp>
+    </p:spTree>
+    <p:extLst>
+      <p:ext uri="{BB962C8B-B14F-4D97-AF65-F5344CB8AC3E}">
+        <p14:creationId xmlns:p14="http://schemas.microsoft.com/office/powerpoint/2010/main" val="2605331243"/>
+      </p:ext>
+    </p:extLst>
+  </p:cSld>
+  <p:clrMapOvr>
+    <a:masterClrMapping/>
+  </p:clrMapOvr>
+</p:sld>
+</file>
+
+<file path=ppt/slides/slide11.xml><?xml version="1.0" encoding="utf-8"?>
+<p:sld xmlns:a="http://schemas.openxmlformats.org/drawingml/2006/main" xmlns:r="http://schemas.openxmlformats.org/officeDocument/2006/relationships" xmlns:p="http://schemas.openxmlformats.org/presentationml/2006/main">
+  <p:cSld>
+    <p:spTree>
+      <p:nvGrpSpPr>
+        <p:cNvPr id="1" name=""/>
+        <p:cNvGrpSpPr/>
+        <p:nvPr/>
+      </p:nvGrpSpPr>
+      <p:grpSpPr>
+        <a:xfrm>
+          <a:off x="0" y="0"/>
+          <a:ext cx="0" cy="0"/>
+          <a:chOff x="0" y="0"/>
+          <a:chExt cx="0" cy="0"/>
+        </a:xfrm>
+      </p:grpSpPr>
+      <p:sp>
+        <p:nvSpPr>
+          <p:cNvPr id="4" name="Title 7">
+            <a:extLst>
+              <a:ext uri="{FF2B5EF4-FFF2-40B4-BE49-F238E27FC236}">
+                <a16:creationId xmlns:a16="http://schemas.microsoft.com/office/drawing/2014/main" id="{A9F1CD1E-6F3A-4CAC-86F3-1385472E0977}"/>
+              </a:ext>
+            </a:extLst>
+          </p:cNvPr>
+          <p:cNvSpPr txBox="1">
+            <a:spLocks/>
+          </p:cNvSpPr>
+          <p:nvPr/>
+        </p:nvSpPr>
+        <p:spPr bwMode="auto">
+          <a:xfrm>
+            <a:off x="325315" y="85587"/>
+            <a:ext cx="10820400" cy="670552"/>
+          </a:xfrm>
+          <a:prstGeom prst="rect">
+            <a:avLst/>
+          </a:prstGeom>
+        </p:spPr>
+        <p:txBody>
+          <a:bodyPr lIns="0" tIns="0" rIns="0" bIns="0"/>
+          <a:lstStyle>
+            <a:lvl1pPr algn="l" defTabSz="914400" rtl="0" eaLnBrk="1" latinLnBrk="0" hangingPunct="1">
+              <a:lnSpc>
+                <a:spcPct val="90000"/>
+              </a:lnSpc>
+              <a:spcBef>
+                <a:spcPct val="0"/>
+              </a:spcBef>
+              <a:buNone/>
+              <a:defRPr sz="4400" b="0" i="0" kern="1200">
+                <a:solidFill>
+                  <a:schemeClr val="tx1"/>
+                </a:solidFill>
+                <a:latin typeface="SB Sans Display Regular" panose="020B0503040504020204" pitchFamily="34" charset="0"/>
+                <a:ea typeface="+mj-ea"/>
+                <a:cs typeface="+mj-cs"/>
+              </a:defRPr>
+            </a:lvl1pPr>
+          </a:lstStyle>
+          <a:p>
+            <a:pPr>
+              <a:lnSpc>
+                <a:spcPct val="100000"/>
+              </a:lnSpc>
+            </a:pPr>
+            <a:r>
+              <a:rPr lang="ru-RU" sz="4000" dirty="0">
+                <a:solidFill>
+                  <a:srgbClr val="333F48"/>
+                </a:solidFill>
+                <a:latin typeface="SB Sans Display Light" panose="020B0303040504020204" pitchFamily="34" charset="0"/>
+                <a:cs typeface="SB Sans Display Light" panose="020B0303040504020204" pitchFamily="34" charset="0"/>
+              </a:rPr>
+              <a:t>Количество сотрудников</a:t>
+            </a:r>
+            <a:endParaRPr lang="en-US" sz="4000" dirty="0">
+              <a:solidFill>
+                <a:srgbClr val="333F48"/>
+              </a:solidFill>
+              <a:latin typeface="SB Sans Display Light" panose="020B0303040504020204" pitchFamily="34" charset="0"/>
+              <a:cs typeface="SB Sans Display Light" panose="020B0303040504020204" pitchFamily="34" charset="0"/>
+            </a:endParaRPr>
+          </a:p>
+        </p:txBody>
+      </p:sp>
+      <p:pic>
+        <p:nvPicPr>
+          <p:cNvPr id="8" name="Рисунок 7">
+            <a:extLst>
+              <a:ext uri="{FF2B5EF4-FFF2-40B4-BE49-F238E27FC236}">
+                <a16:creationId xmlns:a16="http://schemas.microsoft.com/office/drawing/2014/main" id="{BA1104A5-3443-47EC-8F89-DE56A863FC18}"/>
+              </a:ext>
+            </a:extLst>
+          </p:cNvPr>
+          <p:cNvPicPr>
+            <a:picLocks noChangeAspect="1"/>
+          </p:cNvPicPr>
+          <p:nvPr/>
+        </p:nvPicPr>
+        <p:blipFill>
+          <a:blip r:embed="rId2">
+            <a:extLst>
+              <a:ext uri="{28A0092B-C50C-407E-A947-70E740481C1C}">
+                <a14:useLocalDpi xmlns:a14="http://schemas.microsoft.com/office/drawing/2010/main" val="0"/>
+              </a:ext>
+            </a:extLst>
+          </a:blip>
+          <a:stretch>
+            <a:fillRect/>
+          </a:stretch>
+        </p:blipFill>
+        <p:spPr>
+          <a:xfrm>
+            <a:off x="316848" y="880533"/>
+            <a:ext cx="5779152" cy="3611970"/>
+          </a:xfrm>
+          <a:prstGeom prst="rect">
+            <a:avLst/>
+          </a:prstGeom>
+        </p:spPr>
+      </p:pic>
+      <p:pic>
+        <p:nvPicPr>
+          <p:cNvPr id="10" name="Рисунок 9">
+            <a:extLst>
+              <a:ext uri="{FF2B5EF4-FFF2-40B4-BE49-F238E27FC236}">
+                <a16:creationId xmlns:a16="http://schemas.microsoft.com/office/drawing/2014/main" id="{CC6E352A-8802-415C-BB2C-502A74350455}"/>
+              </a:ext>
+            </a:extLst>
+          </p:cNvPr>
+          <p:cNvPicPr>
+            <a:picLocks noChangeAspect="1"/>
+          </p:cNvPicPr>
+          <p:nvPr/>
+        </p:nvPicPr>
+        <p:blipFill>
+          <a:blip r:embed="rId3">
+            <a:extLst>
+              <a:ext uri="{28A0092B-C50C-407E-A947-70E740481C1C}">
+                <a14:useLocalDpi xmlns:a14="http://schemas.microsoft.com/office/drawing/2010/main" val="0"/>
+              </a:ext>
+            </a:extLst>
+          </a:blip>
+          <a:stretch>
+            <a:fillRect/>
+          </a:stretch>
+        </p:blipFill>
+        <p:spPr>
+          <a:xfrm>
+            <a:off x="6096000" y="1307157"/>
+            <a:ext cx="6096000" cy="2540000"/>
+          </a:xfrm>
+          <a:prstGeom prst="rect">
+            <a:avLst/>
+          </a:prstGeom>
+        </p:spPr>
+      </p:pic>
+      <p:sp>
+        <p:nvSpPr>
+          <p:cNvPr id="5" name="TextBox 4">
+            <a:extLst>
+              <a:ext uri="{FF2B5EF4-FFF2-40B4-BE49-F238E27FC236}">
+                <a16:creationId xmlns:a16="http://schemas.microsoft.com/office/drawing/2014/main" id="{D0E07D67-A34D-4E77-B6BE-6CB25A5AA7EF}"/>
+              </a:ext>
+            </a:extLst>
+          </p:cNvPr>
+          <p:cNvSpPr txBox="1"/>
+          <p:nvPr/>
+        </p:nvSpPr>
+        <p:spPr>
+          <a:xfrm>
+            <a:off x="325314" y="4704857"/>
+            <a:ext cx="11739685" cy="584775"/>
+          </a:xfrm>
+          <a:prstGeom prst="rect">
+            <a:avLst/>
+          </a:prstGeom>
+          <a:noFill/>
+        </p:spPr>
+        <p:txBody>
+          <a:bodyPr wrap="square" rtlCol="0">
+            <a:spAutoFit/>
+          </a:bodyPr>
+          <a:lstStyle/>
+          <a:p>
+            <a:r>
+              <a:rPr lang="ru-RU" sz="1600" dirty="0">
+                <a:latin typeface="SB Sans Text" panose="020B0503040504020204"/>
+                <a:cs typeface="SB Sans Text" panose="020B0503040504020204" pitchFamily="34" charset="-52"/>
+              </a:rPr>
+              <a:t>Если оценивать общее количество уникальных сотрудников за все года и количество сотрудников в разрезе года, то можно сделать вывод что «текучка» кадров в </a:t>
+            </a:r>
+            <a:r>
+              <a:rPr lang="en-US" sz="1600" dirty="0">
+                <a:latin typeface="SB Sans Text" panose="020B0503040504020204"/>
+                <a:cs typeface="SB Sans Text" panose="020B0503040504020204" pitchFamily="34" charset="-52"/>
+              </a:rPr>
+              <a:t>DPH </a:t>
+            </a:r>
+            <a:r>
+              <a:rPr lang="ru-RU" sz="1600" dirty="0">
+                <a:latin typeface="SB Sans Text" panose="020B0503040504020204"/>
+                <a:cs typeface="SB Sans Text" panose="020B0503040504020204" pitchFamily="34" charset="-52"/>
+              </a:rPr>
+              <a:t>выше других департаментов.</a:t>
+            </a:r>
+            <a:endParaRPr lang="en-US" sz="1600" dirty="0">
+              <a:latin typeface="SB Sans Text" panose="020B0503040504020204" pitchFamily="34" charset="-52"/>
+              <a:cs typeface="SB Sans Text" panose="020B0503040504020204" pitchFamily="34" charset="-52"/>
+            </a:endParaRPr>
+          </a:p>
+        </p:txBody>
+      </p:sp>
+    </p:spTree>
+    <p:extLst>
+      <p:ext uri="{BB962C8B-B14F-4D97-AF65-F5344CB8AC3E}">
+        <p14:creationId xmlns:p14="http://schemas.microsoft.com/office/powerpoint/2010/main" val="910445274"/>
+      </p:ext>
+    </p:extLst>
+  </p:cSld>
+  <p:clrMapOvr>
+    <a:masterClrMapping/>
+  </p:clrMapOvr>
+</p:sld>
+</file>
+
+<file path=ppt/slides/slide12.xml><?xml version="1.0" encoding="utf-8"?>
+<p:sld xmlns:a="http://schemas.openxmlformats.org/drawingml/2006/main" xmlns:r="http://schemas.openxmlformats.org/officeDocument/2006/relationships" xmlns:p="http://schemas.openxmlformats.org/presentationml/2006/main">
+  <p:cSld>
+    <p:spTree>
+      <p:nvGrpSpPr>
+        <p:cNvPr id="1" name=""/>
+        <p:cNvGrpSpPr/>
+        <p:nvPr/>
+      </p:nvGrpSpPr>
+      <p:grpSpPr>
+        <a:xfrm>
+          <a:off x="0" y="0"/>
+          <a:ext cx="0" cy="0"/>
+          <a:chOff x="0" y="0"/>
+          <a:chExt cx="0" cy="0"/>
+        </a:xfrm>
+      </p:grpSpPr>
+      <p:sp>
+        <p:nvSpPr>
+          <p:cNvPr id="4" name="Title 7">
+            <a:extLst>
+              <a:ext uri="{FF2B5EF4-FFF2-40B4-BE49-F238E27FC236}">
+                <a16:creationId xmlns:a16="http://schemas.microsoft.com/office/drawing/2014/main" id="{A9F1CD1E-6F3A-4CAC-86F3-1385472E0977}"/>
+              </a:ext>
+            </a:extLst>
+          </p:cNvPr>
+          <p:cNvSpPr txBox="1">
+            <a:spLocks/>
+          </p:cNvSpPr>
+          <p:nvPr/>
+        </p:nvSpPr>
+        <p:spPr bwMode="auto">
+          <a:xfrm>
+            <a:off x="325315" y="85587"/>
+            <a:ext cx="10820400" cy="670552"/>
+          </a:xfrm>
+          <a:prstGeom prst="rect">
+            <a:avLst/>
+          </a:prstGeom>
+        </p:spPr>
+        <p:txBody>
+          <a:bodyPr lIns="0" tIns="0" rIns="0" bIns="0"/>
+          <a:lstStyle>
+            <a:lvl1pPr algn="l" defTabSz="914400" rtl="0" eaLnBrk="1" latinLnBrk="0" hangingPunct="1">
+              <a:lnSpc>
+                <a:spcPct val="90000"/>
+              </a:lnSpc>
+              <a:spcBef>
+                <a:spcPct val="0"/>
+              </a:spcBef>
+              <a:buNone/>
+              <a:defRPr sz="4400" b="0" i="0" kern="1200">
+                <a:solidFill>
+                  <a:schemeClr val="tx1"/>
+                </a:solidFill>
+                <a:latin typeface="SB Sans Display Regular" panose="020B0503040504020204" pitchFamily="34" charset="0"/>
+                <a:ea typeface="+mj-ea"/>
+                <a:cs typeface="+mj-cs"/>
+              </a:defRPr>
+            </a:lvl1pPr>
+          </a:lstStyle>
+          <a:p>
+            <a:pPr>
+              <a:lnSpc>
+                <a:spcPct val="100000"/>
+              </a:lnSpc>
+            </a:pPr>
+            <a:r>
+              <a:rPr lang="ru-RU" sz="4000" dirty="0">
+                <a:solidFill>
+                  <a:srgbClr val="333F48"/>
+                </a:solidFill>
+                <a:latin typeface="SB Sans Display Light" panose="020B0303040504020204" pitchFamily="34" charset="0"/>
+                <a:cs typeface="SB Sans Display Light" panose="020B0303040504020204" pitchFamily="34" charset="0"/>
+              </a:rPr>
               <a:t>Сотрудники с разным уровнем дохода</a:t>
             </a:r>
             <a:endParaRPr lang="en-US" sz="4000" dirty="0">
@@ -3630,7 +4115,7 @@
 </p:sld>
 </file>
 
-<file path=ppt/slides/slide11.xml><?xml version="1.0" encoding="utf-8"?>
+<file path=ppt/slides/slide13.xml><?xml version="1.0" encoding="utf-8"?>
 <p:sld xmlns:a="http://schemas.openxmlformats.org/drawingml/2006/main" xmlns:r="http://schemas.openxmlformats.org/officeDocument/2006/relationships" xmlns:p="http://schemas.openxmlformats.org/presentationml/2006/main">
   <p:cSld>
     <p:spTree>
@@ -3781,7 +4266,7 @@
         </p:blipFill>
         <p:spPr>
           <a:xfrm>
-            <a:off x="5735515" y="756139"/>
+            <a:off x="6841067" y="756139"/>
             <a:ext cx="5025618" cy="3015371"/>
           </a:xfrm>
           <a:prstGeom prst="rect">
@@ -3825,6 +4310,44 @@
           </a:prstGeom>
         </p:spPr>
       </p:pic>
+      <p:sp>
+        <p:nvSpPr>
+          <p:cNvPr id="10" name="TextBox 9">
+            <a:extLst>
+              <a:ext uri="{FF2B5EF4-FFF2-40B4-BE49-F238E27FC236}">
+                <a16:creationId xmlns:a16="http://schemas.microsoft.com/office/drawing/2014/main" id="{0F233E91-AE04-4DBF-866E-BFB37F570543}"/>
+              </a:ext>
+            </a:extLst>
+          </p:cNvPr>
+          <p:cNvSpPr txBox="1"/>
+          <p:nvPr/>
+        </p:nvSpPr>
+        <p:spPr>
+          <a:xfrm>
+            <a:off x="5350933" y="3771510"/>
+            <a:ext cx="6096000" cy="1200329"/>
+          </a:xfrm>
+          <a:prstGeom prst="rect">
+            <a:avLst/>
+          </a:prstGeom>
+          <a:noFill/>
+        </p:spPr>
+        <p:txBody>
+          <a:bodyPr wrap="square">
+            <a:spAutoFit/>
+          </a:bodyPr>
+          <a:lstStyle/>
+          <a:p>
+            <a:r>
+              <a:rPr lang="ru-RU" dirty="0"/>
+              <a:t>На основе линейной регрессии была обучена модель, спрогнозированы расходы на следующий год и построены графики для каждого департамента.</a:t>
+            </a:r>
+          </a:p>
+          <a:p>
+            <a:endParaRPr lang="ru-RU" dirty="0"/>
+          </a:p>
+        </p:txBody>
+      </p:sp>
     </p:spTree>
     <p:extLst>
       <p:ext uri="{BB962C8B-B14F-4D97-AF65-F5344CB8AC3E}">
@@ -3838,7 +4361,7 @@
 </p:sld>
 </file>
 
-<file path=ppt/slides/slide12.xml><?xml version="1.0" encoding="utf-8"?>
+<file path=ppt/slides/slide14.xml><?xml version="1.0" encoding="utf-8"?>
 <p:sld xmlns:a="http://schemas.openxmlformats.org/drawingml/2006/main" xmlns:r="http://schemas.openxmlformats.org/officeDocument/2006/relationships" xmlns:p="http://schemas.openxmlformats.org/presentationml/2006/main">
   <p:cSld>
     <p:spTree>
@@ -3903,7 +4426,7 @@
                 <a:latin typeface="SB Sans Text Light" panose="020B0303040504020204" pitchFamily="34" charset="0"/>
                 <a:cs typeface="SB Sans Text Light" panose="020B0303040504020204" pitchFamily="34" charset="0"/>
               </a:rPr>
-              <a:t>pandas </a:t>
+              <a:t>pandas, </a:t>
             </a:r>
             <a:r>
               <a:rPr lang="en-US" sz="1400" dirty="0" err="1">
@@ -3917,7 +4440,7 @@
                 <a:latin typeface="SB Sans Text Light" panose="020B0303040504020204" pitchFamily="34" charset="0"/>
                 <a:cs typeface="SB Sans Text Light" panose="020B0303040504020204" pitchFamily="34" charset="0"/>
               </a:rPr>
-              <a:t> matplotlib</a:t>
+              <a:t>, matplotlib,</a:t>
             </a:r>
             <a:r>
               <a:rPr lang="ru-RU" sz="1400" dirty="0">
@@ -3931,7 +4454,7 @@
                 <a:latin typeface="SB Sans Text Light" panose="020B0303040504020204" pitchFamily="34" charset="0"/>
                 <a:cs typeface="SB Sans Text Light" panose="020B0303040504020204" pitchFamily="34" charset="0"/>
               </a:rPr>
-              <a:t>seaborn </a:t>
+              <a:t>seaborn, </a:t>
             </a:r>
             <a:r>
               <a:rPr lang="en-US" sz="1400" dirty="0" err="1">
@@ -4533,15 +5056,7 @@
                 <a:cs typeface="SB Sans Text Light" panose="020B0303040504020204" pitchFamily="34" charset="0"/>
                 <a:hlinkClick r:id="rId2"/>
               </a:rPr>
-              <a:t>h</a:t>
-            </a:r>
-            <a:r>
-              <a:rPr lang="en-US" sz="1400" dirty="0">
-                <a:latin typeface="SB Sans Text Light" panose="020B0303040504020204" pitchFamily="34" charset="0"/>
-                <a:cs typeface="SB Sans Text Light" panose="020B0303040504020204" pitchFamily="34" charset="0"/>
-                <a:hlinkClick r:id="rId2"/>
-              </a:rPr>
-              <a:t>ttps://github.com/temasty/Project/blob/8556c5fef55fb0741fd32b6edf3ddf9cc7df6a9a/Untitled3.ipynb</a:t>
+              <a:t>https://github.com/temasty/Project/blob/8556c5fef55fb0741fd32b6edf3ddf9cc7df6a9a/Untitled3.ipynb</a:t>
             </a:r>
             <a:endParaRPr lang="ru-RU" sz="1400" dirty="0">
               <a:latin typeface="SB Sans Text Light" panose="020B0303040504020204" pitchFamily="34" charset="0"/>
@@ -4809,7 +5324,7 @@
         </p:nvSpPr>
         <p:spPr>
           <a:xfrm>
-            <a:off x="808892" y="2052514"/>
+            <a:off x="808892" y="2065039"/>
             <a:ext cx="3006969" cy="646331"/>
           </a:xfrm>
           <a:prstGeom prst="rect">
@@ -4841,19 +5356,31 @@
           <a:p>
             <a:pPr algn="ctr"/>
             <a:r>
-              <a:rPr lang="ru-RU" dirty="0"/>
+              <a:rPr lang="ru-RU" dirty="0">
+                <a:latin typeface="SB Sans Text" panose="020B0503040504020204" pitchFamily="34" charset="-52"/>
+                <a:cs typeface="SB Sans Text" panose="020B0503040504020204" pitchFamily="34" charset="-52"/>
+              </a:rPr>
               <a:t>Сбор и подготовка </a:t>
             </a:r>
             <a:r>
-              <a:rPr lang="en-US" dirty="0" err="1"/>
+              <a:rPr lang="en-US" dirty="0" err="1">
+                <a:latin typeface="SB Sans Text" panose="020B0503040504020204" pitchFamily="34" charset="-52"/>
+                <a:cs typeface="SB Sans Text" panose="020B0503040504020204" pitchFamily="34" charset="-52"/>
+              </a:rPr>
               <a:t>DataFrame</a:t>
             </a:r>
             <a:r>
-              <a:rPr lang="en-US" dirty="0"/>
+              <a:rPr lang="en-US" dirty="0">
+                <a:latin typeface="SB Sans Text" panose="020B0503040504020204" pitchFamily="34" charset="-52"/>
+                <a:cs typeface="SB Sans Text" panose="020B0503040504020204" pitchFamily="34" charset="-52"/>
+              </a:rPr>
               <a:t> </a:t>
             </a:r>
             <a:r>
-              <a:rPr lang="ru-RU" dirty="0"/>
+              <a:rPr lang="ru-RU" dirty="0">
+                <a:latin typeface="SB Sans Text" panose="020B0503040504020204" pitchFamily="34" charset="-52"/>
+                <a:cs typeface="SB Sans Text" panose="020B0503040504020204" pitchFamily="34" charset="-52"/>
+              </a:rPr>
               <a:t>для анализа</a:t>
             </a:r>
           </a:p>
@@ -4963,8 +5490,8 @@
         </p:nvSpPr>
         <p:spPr>
           <a:xfrm>
-            <a:off x="4747846" y="2191015"/>
-            <a:ext cx="3006969" cy="369332"/>
+            <a:off x="4809393" y="2052515"/>
+            <a:ext cx="3006969" cy="646331"/>
           </a:xfrm>
           <a:prstGeom prst="rect">
             <a:avLst/>
@@ -4991,9 +5518,18 @@
           <a:bodyPr wrap="square" rtlCol="0">
             <a:spAutoFit/>
           </a:bodyPr>
-          <a:lstStyle/>
-          <a:p>
-            <a:pPr algn="ctr"/>
+          <a:lstStyle>
+            <a:defPPr>
+              <a:defRPr lang="ru-RU"/>
+            </a:defPPr>
+            <a:lvl1pPr algn="ctr">
+              <a:defRPr>
+                <a:latin typeface="SB Sans Text" panose="020B0503040504020204" pitchFamily="34" charset="-52"/>
+                <a:cs typeface="SB Sans Text" panose="020B0503040504020204" pitchFamily="34" charset="-52"/>
+              </a:defRPr>
+            </a:lvl1pPr>
+          </a:lstStyle>
+          <a:p>
             <a:r>
               <a:rPr lang="ru-RU" dirty="0"/>
               <a:t>Анализ полученных данных</a:t>
@@ -5062,7 +5598,7 @@
         </p:nvSpPr>
         <p:spPr>
           <a:xfrm>
-            <a:off x="8686801" y="2191015"/>
+            <a:off x="8686800" y="2191015"/>
             <a:ext cx="3006969" cy="369332"/>
           </a:xfrm>
           <a:prstGeom prst="rect">
@@ -5090,9 +5626,18 @@
           <a:bodyPr wrap="square" rtlCol="0">
             <a:spAutoFit/>
           </a:bodyPr>
-          <a:lstStyle/>
-          <a:p>
-            <a:pPr algn="ctr"/>
+          <a:lstStyle>
+            <a:defPPr>
+              <a:defRPr lang="ru-RU"/>
+            </a:defPPr>
+            <a:lvl1pPr algn="ctr">
+              <a:defRPr>
+                <a:latin typeface="SB Sans Text" panose="020B0503040504020204" pitchFamily="34" charset="-52"/>
+                <a:cs typeface="SB Sans Text" panose="020B0503040504020204" pitchFamily="34" charset="-52"/>
+              </a:defRPr>
+            </a:lvl1pPr>
+          </a:lstStyle>
+          <a:p>
             <a:r>
               <a:rPr lang="ru-RU" dirty="0"/>
               <a:t>Визуализация данных</a:t>
@@ -5204,7 +5749,7 @@
         </p:nvSpPr>
         <p:spPr>
           <a:xfrm>
-            <a:off x="808893" y="4619108"/>
+            <a:off x="2312377" y="4636085"/>
             <a:ext cx="3006969" cy="923330"/>
           </a:xfrm>
           <a:prstGeom prst="rect">
@@ -5232,23 +5777,21 @@
           <a:bodyPr wrap="square" rtlCol="0">
             <a:spAutoFit/>
           </a:bodyPr>
-          <a:lstStyle/>
-          <a:p>
-            <a:pPr algn="ctr"/>
+          <a:lstStyle>
+            <a:defPPr>
+              <a:defRPr lang="ru-RU"/>
+            </a:defPPr>
+            <a:lvl1pPr algn="ctr">
+              <a:defRPr>
+                <a:latin typeface="SB Sans Text" panose="020B0503040504020204" pitchFamily="34" charset="-52"/>
+                <a:cs typeface="SB Sans Text" panose="020B0503040504020204" pitchFamily="34" charset="-52"/>
+              </a:defRPr>
+            </a:lvl1pPr>
+          </a:lstStyle>
+          <a:p>
             <a:r>
               <a:rPr lang="ru-RU" dirty="0"/>
-              <a:t>Обучение модели для прогнозирования </a:t>
-            </a:r>
-            <a:r>
-              <a:rPr lang="ru-RU" sz="1800" dirty="0">
-                <a:latin typeface="SB Sans Text Light" panose="020B0303040504020204" pitchFamily="34" charset="0"/>
-                <a:cs typeface="SB Sans Text Light" panose="020B0303040504020204" pitchFamily="34" charset="0"/>
-              </a:rPr>
-              <a:t>будущих затрат</a:t>
-            </a:r>
-            <a:r>
-              <a:rPr lang="ru-RU" dirty="0"/>
-              <a:t> </a:t>
+              <a:t>Обучение модели для прогнозирования будущих затрат </a:t>
             </a:r>
           </a:p>
         </p:txBody>
@@ -5267,7 +5810,7 @@
         </p:nvSpPr>
         <p:spPr>
           <a:xfrm>
-            <a:off x="685800" y="4111861"/>
+            <a:off x="2189284" y="4128840"/>
             <a:ext cx="3253154" cy="1937825"/>
           </a:xfrm>
           <a:prstGeom prst="roundRect">
@@ -5314,7 +5857,7 @@
         </p:nvSpPr>
         <p:spPr>
           <a:xfrm>
-            <a:off x="4747846" y="4896107"/>
+            <a:off x="6251330" y="4777667"/>
             <a:ext cx="3006969" cy="646331"/>
           </a:xfrm>
           <a:prstGeom prst="rect">
@@ -5342,9 +5885,18 @@
           <a:bodyPr wrap="square" rtlCol="0">
             <a:spAutoFit/>
           </a:bodyPr>
-          <a:lstStyle/>
-          <a:p>
-            <a:pPr algn="ctr"/>
+          <a:lstStyle>
+            <a:defPPr>
+              <a:defRPr lang="ru-RU"/>
+            </a:defPPr>
+            <a:lvl1pPr algn="ctr">
+              <a:defRPr>
+                <a:latin typeface="SB Sans Text" panose="020B0503040504020204" pitchFamily="34" charset="-52"/>
+                <a:cs typeface="SB Sans Text" panose="020B0503040504020204" pitchFamily="34" charset="-52"/>
+              </a:defRPr>
+            </a:lvl1pPr>
+          </a:lstStyle>
+          <a:p>
             <a:r>
               <a:rPr lang="ru-RU" dirty="0"/>
               <a:t>Получение прогноза на следующий год</a:t>
@@ -5366,7 +5918,7 @@
         </p:nvSpPr>
         <p:spPr>
           <a:xfrm>
-            <a:off x="4624754" y="4111860"/>
+            <a:off x="6128238" y="4128839"/>
             <a:ext cx="3253154" cy="1937825"/>
           </a:xfrm>
           <a:prstGeom prst="roundRect">
@@ -5415,7 +5967,7 @@
         </p:nvCxnSpPr>
         <p:spPr>
           <a:xfrm flipV="1">
-            <a:off x="3938954" y="5080772"/>
+            <a:off x="5442438" y="5097751"/>
             <a:ext cx="685800" cy="1"/>
           </a:xfrm>
           <a:prstGeom prst="straightConnector1">
@@ -5458,8 +6010,8 @@
         </p:nvCxnSpPr>
         <p:spPr>
           <a:xfrm rot="5400000">
-            <a:off x="5867698" y="-210727"/>
-            <a:ext cx="767267" cy="7877908"/>
+            <a:off x="6610950" y="549505"/>
+            <a:ext cx="784246" cy="6374424"/>
           </a:xfrm>
           <a:prstGeom prst="bentConnector3">
             <a:avLst>
@@ -5585,12 +6137,83 @@
           </a:p>
         </p:txBody>
       </p:sp>
+      <p:sp>
+        <p:nvSpPr>
+          <p:cNvPr id="2" name="TextBox 1"/>
+          <p:cNvSpPr txBox="1"/>
+          <p:nvPr/>
+        </p:nvSpPr>
+        <p:spPr>
+          <a:xfrm>
+            <a:off x="325315" y="5328139"/>
+            <a:ext cx="10881360" cy="1200329"/>
+          </a:xfrm>
+          <a:prstGeom prst="rect">
+            <a:avLst/>
+          </a:prstGeom>
+          <a:noFill/>
+        </p:spPr>
+        <p:txBody>
+          <a:bodyPr wrap="square" rtlCol="0">
+            <a:spAutoFit/>
+          </a:bodyPr>
+          <a:lstStyle/>
+          <a:p>
+            <a:r>
+              <a:rPr lang="ru-RU" dirty="0">
+                <a:latin typeface="SB Sans Text" panose="020B0503040504020204" pitchFamily="34" charset="-52"/>
+                <a:cs typeface="SB Sans Text" panose="020B0503040504020204" pitchFamily="34" charset="-52"/>
+              </a:rPr>
+              <a:t>Самыми дорогими службами в Сан-Франциско являются:</a:t>
+            </a:r>
+          </a:p>
+          <a:p>
+            <a:pPr marL="342900" indent="-342900">
+              <a:buFont typeface="+mj-lt"/>
+              <a:buAutoNum type="arabicPeriod"/>
+            </a:pPr>
+            <a:r>
+              <a:rPr lang="ru-RU" dirty="0">
+                <a:latin typeface="SB Sans Text" panose="020B0503040504020204" pitchFamily="34" charset="-52"/>
+                <a:cs typeface="SB Sans Text" panose="020B0503040504020204" pitchFamily="34" charset="-52"/>
+              </a:rPr>
+              <a:t>Департамент здравоохранения;</a:t>
+            </a:r>
+          </a:p>
+          <a:p>
+            <a:pPr marL="342900" indent="-342900">
+              <a:buFont typeface="+mj-lt"/>
+              <a:buAutoNum type="arabicPeriod"/>
+            </a:pPr>
+            <a:r>
+              <a:rPr lang="ru-RU" dirty="0">
+                <a:latin typeface="SB Sans Text" panose="020B0503040504020204" pitchFamily="34" charset="-52"/>
+                <a:cs typeface="SB Sans Text" panose="020B0503040504020204" pitchFamily="34" charset="-52"/>
+              </a:rPr>
+              <a:t>Служба муниципального транспорта;</a:t>
+            </a:r>
+          </a:p>
+          <a:p>
+            <a:pPr marL="342900" indent="-342900">
+              <a:buFont typeface="+mj-lt"/>
+              <a:buAutoNum type="arabicPeriod"/>
+            </a:pPr>
+            <a:r>
+              <a:rPr lang="ru-RU" dirty="0">
+                <a:latin typeface="SB Sans Text" panose="020B0503040504020204" pitchFamily="34" charset="-52"/>
+                <a:cs typeface="SB Sans Text" panose="020B0503040504020204" pitchFamily="34" charset="-52"/>
+              </a:rPr>
+              <a:t>Департамент полиции.</a:t>
+            </a:r>
+          </a:p>
+        </p:txBody>
+      </p:sp>
       <p:pic>
         <p:nvPicPr>
-          <p:cNvPr id="12" name="Рисунок 11">
+          <p:cNvPr id="7" name="Рисунок 6">
             <a:extLst>
               <a:ext uri="{FF2B5EF4-FFF2-40B4-BE49-F238E27FC236}">
-                <a16:creationId xmlns:a16="http://schemas.microsoft.com/office/drawing/2014/main" id="{E7D65A45-39F5-4EAB-AE43-7E4D70ADCE5B}"/>
+                <a16:creationId xmlns:a16="http://schemas.microsoft.com/office/drawing/2014/main" id="{3C3AFD9C-37CD-4E6B-A6A9-FB5D377D49CB}"/>
               </a:ext>
             </a:extLst>
           </p:cNvPr>
@@ -5613,7 +6236,7 @@
         </p:blipFill>
         <p:spPr>
           <a:xfrm>
-            <a:off x="609600" y="1143000"/>
+            <a:off x="325315" y="756139"/>
             <a:ext cx="10972800" cy="4572000"/>
           </a:xfrm>
           <a:prstGeom prst="rect">
@@ -5772,105 +6395,105 @@
           <p:nvPr>
             <p:extLst>
               <p:ext uri="{D42A27DB-BD31-4B8C-83A1-F6EECF244321}">
-                <p14:modId xmlns:p14="http://schemas.microsoft.com/office/powerpoint/2010/main" val="2772978805"/>
+                <p14:modId xmlns:p14="http://schemas.microsoft.com/office/powerpoint/2010/main" val="4147250384"/>
               </p:ext>
             </p:extLst>
           </p:nvPr>
         </p:nvGraphicFramePr>
         <p:xfrm>
-          <a:off x="2433514" y="5149361"/>
-          <a:ext cx="6604002" cy="952500"/>
+          <a:off x="1642533" y="5149361"/>
+          <a:ext cx="8170331" cy="952500"/>
         </p:xfrm>
         <a:graphic>
           <a:graphicData uri="http://schemas.openxmlformats.org/drawingml/2006/table">
             <a:tbl>
               <a:tblPr/>
               <a:tblGrid>
-                <a:gridCol w="1177265">
+                <a:gridCol w="1456488">
                   <a:extLst>
                     <a:ext uri="{9D8B030D-6E8A-4147-A177-3AD203B41FA5}">
                       <a16:colId xmlns:a16="http://schemas.microsoft.com/office/drawing/2014/main" val="3702410959"/>
                     </a:ext>
                   </a:extLst>
                 </a:gridCol>
-                <a:gridCol w="413634">
+                <a:gridCol w="511739">
                   <a:extLst>
                     <a:ext uri="{9D8B030D-6E8A-4147-A177-3AD203B41FA5}">
                       <a16:colId xmlns:a16="http://schemas.microsoft.com/office/drawing/2014/main" val="1858957782"/>
                     </a:ext>
                   </a:extLst>
                 </a:gridCol>
-                <a:gridCol w="413634">
+                <a:gridCol w="511739">
                   <a:extLst>
                     <a:ext uri="{9D8B030D-6E8A-4147-A177-3AD203B41FA5}">
                       <a16:colId xmlns:a16="http://schemas.microsoft.com/office/drawing/2014/main" val="671181851"/>
                     </a:ext>
                   </a:extLst>
                 </a:gridCol>
-                <a:gridCol w="413634">
+                <a:gridCol w="511739">
                   <a:extLst>
                     <a:ext uri="{9D8B030D-6E8A-4147-A177-3AD203B41FA5}">
                       <a16:colId xmlns:a16="http://schemas.microsoft.com/office/drawing/2014/main" val="2095162909"/>
                     </a:ext>
                   </a:extLst>
                 </a:gridCol>
-                <a:gridCol w="413634">
+                <a:gridCol w="511739">
                   <a:extLst>
                     <a:ext uri="{9D8B030D-6E8A-4147-A177-3AD203B41FA5}">
                       <a16:colId xmlns:a16="http://schemas.microsoft.com/office/drawing/2014/main" val="2543105050"/>
                     </a:ext>
                   </a:extLst>
                 </a:gridCol>
-                <a:gridCol w="413634">
+                <a:gridCol w="511739">
                   <a:extLst>
                     <a:ext uri="{9D8B030D-6E8A-4147-A177-3AD203B41FA5}">
                       <a16:colId xmlns:a16="http://schemas.microsoft.com/office/drawing/2014/main" val="665002926"/>
                     </a:ext>
                   </a:extLst>
                 </a:gridCol>
-                <a:gridCol w="413634">
+                <a:gridCol w="511739">
                   <a:extLst>
                     <a:ext uri="{9D8B030D-6E8A-4147-A177-3AD203B41FA5}">
                       <a16:colId xmlns:a16="http://schemas.microsoft.com/office/drawing/2014/main" val="2642877213"/>
                     </a:ext>
                   </a:extLst>
                 </a:gridCol>
-                <a:gridCol w="413634">
+                <a:gridCol w="511739">
                   <a:extLst>
                     <a:ext uri="{9D8B030D-6E8A-4147-A177-3AD203B41FA5}">
                       <a16:colId xmlns:a16="http://schemas.microsoft.com/office/drawing/2014/main" val="1192835757"/>
                     </a:ext>
                   </a:extLst>
                 </a:gridCol>
-                <a:gridCol w="413634">
+                <a:gridCol w="511739">
                   <a:extLst>
                     <a:ext uri="{9D8B030D-6E8A-4147-A177-3AD203B41FA5}">
                       <a16:colId xmlns:a16="http://schemas.microsoft.com/office/drawing/2014/main" val="1061336832"/>
                     </a:ext>
                   </a:extLst>
                 </a:gridCol>
-                <a:gridCol w="413634">
+                <a:gridCol w="511739">
                   <a:extLst>
                     <a:ext uri="{9D8B030D-6E8A-4147-A177-3AD203B41FA5}">
                       <a16:colId xmlns:a16="http://schemas.microsoft.com/office/drawing/2014/main" val="1559516200"/>
                     </a:ext>
                   </a:extLst>
                 </a:gridCol>
-                <a:gridCol w="413634">
+                <a:gridCol w="511739">
                   <a:extLst>
                     <a:ext uri="{9D8B030D-6E8A-4147-A177-3AD203B41FA5}">
                       <a16:colId xmlns:a16="http://schemas.microsoft.com/office/drawing/2014/main" val="2895253650"/>
                     </a:ext>
                   </a:extLst>
                 </a:gridCol>
-                <a:gridCol w="413634">
+                <a:gridCol w="511739">
                   <a:extLst>
                     <a:ext uri="{9D8B030D-6E8A-4147-A177-3AD203B41FA5}">
                       <a16:colId xmlns:a16="http://schemas.microsoft.com/office/drawing/2014/main" val="546362998"/>
                     </a:ext>
                   </a:extLst>
                 </a:gridCol>
-                <a:gridCol w="876763">
+                <a:gridCol w="1084714">
                   <a:extLst>
                     <a:ext uri="{9D8B030D-6E8A-4147-A177-3AD203B41FA5}">
                       <a16:colId xmlns:a16="http://schemas.microsoft.com/office/drawing/2014/main" val="1032956422"/>
@@ -5886,7 +6509,7 @@
                     <a:p>
                       <a:pPr algn="l" fontAlgn="b"/>
                       <a:r>
-                        <a:rPr lang="ru-RU" sz="1100" b="1" i="0" u="none" strike="noStrike">
+                        <a:rPr lang="ru-RU" sz="1100" b="1" i="0" u="none" strike="noStrike" dirty="0">
                           <a:solidFill>
                             <a:srgbClr val="000000"/>
                           </a:solidFill>
@@ -7389,7 +8012,7 @@
                     <a:p>
                       <a:pPr algn="l" fontAlgn="b"/>
                       <a:r>
-                        <a:rPr lang="en-US" sz="1100" b="0" i="0" u="none" strike="noStrike">
+                        <a:rPr lang="en-US" sz="1100" b="0" i="0" u="none" strike="noStrike" dirty="0">
                           <a:solidFill>
                             <a:srgbClr val="000000"/>
                           </a:solidFill>
@@ -8540,7 +9163,7 @@
                 <a:latin typeface="SB Sans Display Light" panose="020B0303040504020204" pitchFamily="34" charset="0"/>
                 <a:cs typeface="SB Sans Display Light" panose="020B0303040504020204" pitchFamily="34" charset="0"/>
               </a:rPr>
-              <a:t>Распределение ЗП</a:t>
+              <a:t>Темпы роста годового бюджета</a:t>
             </a:r>
             <a:endParaRPr lang="en-US" sz="4000" dirty="0">
               <a:solidFill>
@@ -8552,12 +9175,142 @@
           </a:p>
         </p:txBody>
       </p:sp>
+      <p:sp>
+        <p:nvSpPr>
+          <p:cNvPr id="3" name="TextBox 2"/>
+          <p:cNvSpPr txBox="1"/>
+          <p:nvPr/>
+        </p:nvSpPr>
+        <p:spPr>
+          <a:xfrm>
+            <a:off x="325315" y="4820139"/>
+            <a:ext cx="11761390" cy="923330"/>
+          </a:xfrm>
+          <a:prstGeom prst="rect">
+            <a:avLst/>
+          </a:prstGeom>
+          <a:noFill/>
+        </p:spPr>
+        <p:txBody>
+          <a:bodyPr wrap="square" rtlCol="0">
+            <a:spAutoFit/>
+          </a:bodyPr>
+          <a:lstStyle/>
+          <a:p>
+            <a:r>
+              <a:rPr lang="ru-RU" dirty="0">
+                <a:latin typeface="SB Sans Text" panose="020B0503040504020204" pitchFamily="34" charset="-52"/>
+                <a:cs typeface="SB Sans Text" panose="020B0503040504020204" pitchFamily="34" charset="-52"/>
+              </a:rPr>
+              <a:t>По темпам роста расходов Департамент здравоохранения (</a:t>
+            </a:r>
+            <a:r>
+              <a:rPr lang="en-US" dirty="0">
+                <a:latin typeface="SB Sans Text" panose="020B0503040504020204" pitchFamily="34" charset="-52"/>
+                <a:cs typeface="SB Sans Text" panose="020B0503040504020204" pitchFamily="34" charset="-52"/>
+              </a:rPr>
+              <a:t>DPH)</a:t>
+            </a:r>
+            <a:r>
+              <a:rPr lang="ru-RU" dirty="0">
+                <a:latin typeface="SB Sans Text" panose="020B0503040504020204" pitchFamily="34" charset="-52"/>
+                <a:cs typeface="SB Sans Text" panose="020B0503040504020204" pitchFamily="34" charset="-52"/>
+              </a:rPr>
+              <a:t> до 2022 года уверенно опережал Департамент полиции</a:t>
+            </a:r>
+            <a:r>
+              <a:rPr lang="en-US" dirty="0">
+                <a:latin typeface="SB Sans Text" panose="020B0503040504020204" pitchFamily="34" charset="-52"/>
+                <a:cs typeface="SB Sans Text" panose="020B0503040504020204" pitchFamily="34" charset="-52"/>
+              </a:rPr>
+              <a:t> (POL)</a:t>
+            </a:r>
+            <a:r>
+              <a:rPr lang="ru-RU" dirty="0">
+                <a:latin typeface="SB Sans Text" panose="020B0503040504020204" pitchFamily="34" charset="-52"/>
+                <a:cs typeface="SB Sans Text" panose="020B0503040504020204" pitchFamily="34" charset="-52"/>
+              </a:rPr>
+              <a:t> и Пожарную службу</a:t>
+            </a:r>
+            <a:r>
+              <a:rPr lang="en-US" dirty="0">
+                <a:latin typeface="SB Sans Text" panose="020B0503040504020204" pitchFamily="34" charset="-52"/>
+                <a:cs typeface="SB Sans Text" panose="020B0503040504020204" pitchFamily="34" charset="-52"/>
+              </a:rPr>
+              <a:t> (FIR)</a:t>
+            </a:r>
+            <a:r>
+              <a:rPr lang="ru-RU" dirty="0">
+                <a:latin typeface="SB Sans Text" panose="020B0503040504020204" pitchFamily="34" charset="-52"/>
+                <a:cs typeface="SB Sans Text" panose="020B0503040504020204" pitchFamily="34" charset="-52"/>
+              </a:rPr>
+              <a:t>. В 2022 году в Сан Франциско ТР в </a:t>
+            </a:r>
+            <a:r>
+              <a:rPr lang="en-US" dirty="0">
+                <a:latin typeface="SB Sans Text" panose="020B0503040504020204" pitchFamily="34" charset="-52"/>
+                <a:cs typeface="SB Sans Text" panose="020B0503040504020204" pitchFamily="34" charset="-52"/>
+              </a:rPr>
+              <a:t>DPH </a:t>
+            </a:r>
+            <a:r>
+              <a:rPr lang="ru-RU" dirty="0">
+                <a:latin typeface="SB Sans Text" panose="020B0503040504020204" pitchFamily="34" charset="-52"/>
+                <a:cs typeface="SB Sans Text" panose="020B0503040504020204" pitchFamily="34" charset="-52"/>
+              </a:rPr>
+              <a:t>и </a:t>
+            </a:r>
+            <a:r>
+              <a:rPr lang="en-US" dirty="0">
+                <a:latin typeface="SB Sans Text" panose="020B0503040504020204" pitchFamily="34" charset="-52"/>
+                <a:cs typeface="SB Sans Text" panose="020B0503040504020204" pitchFamily="34" charset="-52"/>
+              </a:rPr>
+              <a:t>FIR </a:t>
+            </a:r>
+            <a:r>
+              <a:rPr lang="ru-RU" dirty="0">
+                <a:latin typeface="SB Sans Text" panose="020B0503040504020204" pitchFamily="34" charset="-52"/>
+                <a:cs typeface="SB Sans Text" panose="020B0503040504020204" pitchFamily="34" charset="-52"/>
+              </a:rPr>
+              <a:t>наметился тренд на сокращение расходов, а в </a:t>
+            </a:r>
+            <a:r>
+              <a:rPr lang="en-US" dirty="0">
+                <a:latin typeface="SB Sans Text" panose="020B0503040504020204" pitchFamily="34" charset="-52"/>
+                <a:cs typeface="SB Sans Text" panose="020B0503040504020204" pitchFamily="34" charset="-52"/>
+              </a:rPr>
+              <a:t>POL – </a:t>
+            </a:r>
+            <a:r>
+              <a:rPr lang="ru-RU" dirty="0">
+                <a:latin typeface="SB Sans Text" panose="020B0503040504020204" pitchFamily="34" charset="-52"/>
+                <a:cs typeface="SB Sans Text" panose="020B0503040504020204" pitchFamily="34" charset="-52"/>
+              </a:rPr>
+              <a:t>тренд на рост. При этом с 2015 по 202</a:t>
+            </a:r>
+            <a:r>
+              <a:rPr lang="en-US" dirty="0">
+                <a:latin typeface="SB Sans Text" panose="020B0503040504020204" pitchFamily="34" charset="-52"/>
+                <a:cs typeface="SB Sans Text" panose="020B0503040504020204" pitchFamily="34" charset="-52"/>
+              </a:rPr>
+              <a:t>2</a:t>
+            </a:r>
+            <a:r>
+              <a:rPr lang="ru-RU" dirty="0">
+                <a:latin typeface="SB Sans Text" panose="020B0503040504020204" pitchFamily="34" charset="-52"/>
+                <a:cs typeface="SB Sans Text" panose="020B0503040504020204" pitchFamily="34" charset="-52"/>
+              </a:rPr>
+              <a:t> года бюджет рос быстрее уровня инфляции в США.</a:t>
+            </a:r>
+          </a:p>
+        </p:txBody>
+      </p:sp>
       <p:pic>
         <p:nvPicPr>
-          <p:cNvPr id="13" name="Рисунок 12">
+          <p:cNvPr id="12" name="Рисунок 11">
             <a:extLst>
               <a:ext uri="{FF2B5EF4-FFF2-40B4-BE49-F238E27FC236}">
-                <a16:creationId xmlns:a16="http://schemas.microsoft.com/office/drawing/2014/main" id="{3B7736E7-45F3-42A0-859D-7F64625E367F}"/>
+                <a16:creationId xmlns:a16="http://schemas.microsoft.com/office/drawing/2014/main" id="{F00736C7-D83D-4DBB-A61E-8FD537F3352A}"/>
               </a:ext>
             </a:extLst>
           </p:cNvPr>
@@ -8567,7 +9320,7 @@
           <p:nvPr/>
         </p:nvPicPr>
         <p:blipFill>
-          <a:blip r:embed="rId2">
+          <a:blip r:embed="rId2" cstate="print">
             <a:extLst>
               <a:ext uri="{28A0092B-C50C-407E-A947-70E740481C1C}">
                 <a14:useLocalDpi xmlns:a14="http://schemas.microsoft.com/office/drawing/2010/main" val="0"/>
@@ -8580,80 +9333,8 @@
         </p:blipFill>
         <p:spPr>
           <a:xfrm>
-            <a:off x="609600" y="1422400"/>
-            <a:ext cx="5486400" cy="2286000"/>
-          </a:xfrm>
-          <a:prstGeom prst="rect">
-            <a:avLst/>
-          </a:prstGeom>
-        </p:spPr>
-      </p:pic>
-      <p:pic>
-        <p:nvPicPr>
-          <p:cNvPr id="17" name="Рисунок 16">
-            <a:extLst>
-              <a:ext uri="{FF2B5EF4-FFF2-40B4-BE49-F238E27FC236}">
-                <a16:creationId xmlns:a16="http://schemas.microsoft.com/office/drawing/2014/main" id="{3FC0DA9A-3324-4F0E-8E8C-49D5AFD9E868}"/>
-              </a:ext>
-            </a:extLst>
-          </p:cNvPr>
-          <p:cNvPicPr>
-            <a:picLocks noChangeAspect="1"/>
-          </p:cNvPicPr>
-          <p:nvPr/>
-        </p:nvPicPr>
-        <p:blipFill>
-          <a:blip r:embed="rId3">
-            <a:extLst>
-              <a:ext uri="{28A0092B-C50C-407E-A947-70E740481C1C}">
-                <a14:useLocalDpi xmlns:a14="http://schemas.microsoft.com/office/drawing/2010/main" val="0"/>
-              </a:ext>
-            </a:extLst>
-          </a:blip>
-          <a:stretch>
-            <a:fillRect/>
-          </a:stretch>
-        </p:blipFill>
-        <p:spPr>
-          <a:xfrm>
-            <a:off x="6096000" y="1422400"/>
-            <a:ext cx="5486400" cy="2286000"/>
-          </a:xfrm>
-          <a:prstGeom prst="rect">
-            <a:avLst/>
-          </a:prstGeom>
-        </p:spPr>
-      </p:pic>
-      <p:pic>
-        <p:nvPicPr>
-          <p:cNvPr id="19" name="Рисунок 18">
-            <a:extLst>
-              <a:ext uri="{FF2B5EF4-FFF2-40B4-BE49-F238E27FC236}">
-                <a16:creationId xmlns:a16="http://schemas.microsoft.com/office/drawing/2014/main" id="{3A958114-312D-43AB-A2ED-CBC1C7F84806}"/>
-              </a:ext>
-            </a:extLst>
-          </p:cNvPr>
-          <p:cNvPicPr>
-            <a:picLocks noChangeAspect="1"/>
-          </p:cNvPicPr>
-          <p:nvPr/>
-        </p:nvPicPr>
-        <p:blipFill>
-          <a:blip r:embed="rId4">
-            <a:extLst>
-              <a:ext uri="{28A0092B-C50C-407E-A947-70E740481C1C}">
-                <a14:useLocalDpi xmlns:a14="http://schemas.microsoft.com/office/drawing/2010/main" val="0"/>
-              </a:ext>
-            </a:extLst>
-          </a:blip>
-          <a:stretch>
-            <a:fillRect/>
-          </a:stretch>
-        </p:blipFill>
-        <p:spPr>
-          <a:xfrm>
-            <a:off x="609600" y="3708400"/>
-            <a:ext cx="5486400" cy="2286000"/>
+            <a:off x="0" y="756139"/>
+            <a:ext cx="12192000" cy="4064000"/>
           </a:xfrm>
           <a:prstGeom prst="rect">
             <a:avLst/>
@@ -8663,7 +9344,7 @@
     </p:spTree>
     <p:extLst>
       <p:ext uri="{BB962C8B-B14F-4D97-AF65-F5344CB8AC3E}">
-        <p14:creationId xmlns:p14="http://schemas.microsoft.com/office/powerpoint/2010/main" val="3235859061"/>
+        <p14:creationId xmlns:p14="http://schemas.microsoft.com/office/powerpoint/2010/main" val="1313774847"/>
       </p:ext>
     </p:extLst>
   </p:cSld>
@@ -8748,7 +9429,7 @@
                 <a:latin typeface="SB Sans Display Light" panose="020B0303040504020204" pitchFamily="34" charset="0"/>
                 <a:cs typeface="SB Sans Display Light" panose="020B0303040504020204" pitchFamily="34" charset="0"/>
               </a:rPr>
-              <a:t>Распределение ЗП по департаментам</a:t>
+              <a:t>Распределение ЗП</a:t>
             </a:r>
             <a:endParaRPr lang="en-US" sz="4000" dirty="0">
               <a:solidFill>
@@ -8762,10 +9443,10 @@
       </p:sp>
       <p:pic>
         <p:nvPicPr>
-          <p:cNvPr id="3" name="Рисунок 2">
+          <p:cNvPr id="13" name="Рисунок 12">
             <a:extLst>
               <a:ext uri="{FF2B5EF4-FFF2-40B4-BE49-F238E27FC236}">
-                <a16:creationId xmlns:a16="http://schemas.microsoft.com/office/drawing/2014/main" id="{27406BE4-8063-407E-A64A-C959098FEF26}"/>
+                <a16:creationId xmlns:a16="http://schemas.microsoft.com/office/drawing/2014/main" id="{3B7736E7-45F3-42A0-859D-7F64625E367F}"/>
               </a:ext>
             </a:extLst>
           </p:cNvPr>
@@ -8788,8 +9469,8 @@
         </p:blipFill>
         <p:spPr>
           <a:xfrm>
-            <a:off x="609600" y="1574094"/>
-            <a:ext cx="5122333" cy="2134306"/>
+            <a:off x="79782" y="863600"/>
+            <a:ext cx="6156960" cy="2565400"/>
           </a:xfrm>
           <a:prstGeom prst="rect">
             <a:avLst/>
@@ -8798,10 +9479,10 @@
       </p:pic>
       <p:pic>
         <p:nvPicPr>
-          <p:cNvPr id="6" name="Рисунок 5">
+          <p:cNvPr id="17" name="Рисунок 16">
             <a:extLst>
               <a:ext uri="{FF2B5EF4-FFF2-40B4-BE49-F238E27FC236}">
-                <a16:creationId xmlns:a16="http://schemas.microsoft.com/office/drawing/2014/main" id="{010E305C-01B0-4072-A7AD-1B266C74DDCC}"/>
+                <a16:creationId xmlns:a16="http://schemas.microsoft.com/office/drawing/2014/main" id="{3FC0DA9A-3324-4F0E-8E8C-49D5AFD9E868}"/>
               </a:ext>
             </a:extLst>
           </p:cNvPr>
@@ -8824,8 +9505,8 @@
         </p:blipFill>
         <p:spPr>
           <a:xfrm>
-            <a:off x="5731933" y="1576916"/>
-            <a:ext cx="5122333" cy="2134305"/>
+            <a:off x="5850467" y="863599"/>
+            <a:ext cx="6156958" cy="2565399"/>
           </a:xfrm>
           <a:prstGeom prst="rect">
             <a:avLst/>
@@ -8834,10 +9515,10 @@
       </p:pic>
       <p:pic>
         <p:nvPicPr>
-          <p:cNvPr id="11" name="Рисунок 10">
+          <p:cNvPr id="19" name="Рисунок 18">
             <a:extLst>
               <a:ext uri="{FF2B5EF4-FFF2-40B4-BE49-F238E27FC236}">
-                <a16:creationId xmlns:a16="http://schemas.microsoft.com/office/drawing/2014/main" id="{B18BD348-D503-48BB-B15A-2A2299B63F90}"/>
+                <a16:creationId xmlns:a16="http://schemas.microsoft.com/office/drawing/2014/main" id="{3A958114-312D-43AB-A2ED-CBC1C7F84806}"/>
               </a:ext>
             </a:extLst>
           </p:cNvPr>
@@ -8860,18 +9541,103 @@
         </p:blipFill>
         <p:spPr>
           <a:xfrm>
-            <a:off x="609600" y="4213931"/>
-            <a:ext cx="5122333" cy="2134305"/>
+            <a:off x="79782" y="3536460"/>
+            <a:ext cx="5899054" cy="2457939"/>
           </a:xfrm>
           <a:prstGeom prst="rect">
             <a:avLst/>
           </a:prstGeom>
         </p:spPr>
       </p:pic>
+      <p:sp>
+        <p:nvSpPr>
+          <p:cNvPr id="6" name="TextBox 5">
+            <a:extLst>
+              <a:ext uri="{FF2B5EF4-FFF2-40B4-BE49-F238E27FC236}">
+                <a16:creationId xmlns:a16="http://schemas.microsoft.com/office/drawing/2014/main" id="{A34B9C32-5D06-443C-9155-DDCEDEE79B65}"/>
+              </a:ext>
+            </a:extLst>
+          </p:cNvPr>
+          <p:cNvSpPr txBox="1"/>
+          <p:nvPr/>
+        </p:nvSpPr>
+        <p:spPr>
+          <a:xfrm>
+            <a:off x="5735515" y="3536457"/>
+            <a:ext cx="6271910" cy="1569660"/>
+          </a:xfrm>
+          <a:prstGeom prst="rect">
+            <a:avLst/>
+          </a:prstGeom>
+          <a:noFill/>
+        </p:spPr>
+        <p:txBody>
+          <a:bodyPr wrap="square" rtlCol="0">
+            <a:spAutoFit/>
+          </a:bodyPr>
+          <a:lstStyle/>
+          <a:p>
+            <a:r>
+              <a:rPr lang="ru-RU" sz="1600" dirty="0">
+                <a:latin typeface="SB Sans Text" panose="020B0503040504020204"/>
+                <a:cs typeface="SB Sans Text" panose="020B0503040504020204" pitchFamily="34" charset="-52"/>
+              </a:rPr>
+              <a:t>По максимальным зарплатам </a:t>
+            </a:r>
+            <a:r>
+              <a:rPr lang="en-US" sz="1600" dirty="0">
+                <a:latin typeface="SB Sans Text" panose="020B0503040504020204" pitchFamily="34" charset="-52"/>
+                <a:cs typeface="SB Sans Text" panose="020B0503040504020204" pitchFamily="34" charset="-52"/>
+              </a:rPr>
+              <a:t>DPH </a:t>
+            </a:r>
+            <a:r>
+              <a:rPr lang="ru-RU" sz="1600" dirty="0">
+                <a:latin typeface="SB Sans Text" panose="020B0503040504020204"/>
+                <a:cs typeface="SB Sans Text" panose="020B0503040504020204" pitchFamily="34" charset="-52"/>
+              </a:rPr>
+              <a:t>за период с 19 по 22 оставался на лидирующих позициях, кроме 2023 года.</a:t>
+            </a:r>
+            <a:r>
+              <a:rPr lang="en-US" sz="1600" dirty="0">
+                <a:latin typeface="SB Sans Text" panose="020B0503040504020204"/>
+                <a:cs typeface="SB Sans Text" panose="020B0503040504020204" pitchFamily="34" charset="-52"/>
+              </a:rPr>
+              <a:t> </a:t>
+            </a:r>
+            <a:endParaRPr lang="ru-RU" sz="1600" dirty="0">
+              <a:latin typeface="SB Sans Text" panose="020B0503040504020204"/>
+              <a:cs typeface="SB Sans Text" panose="020B0503040504020204" pitchFamily="34" charset="-52"/>
+            </a:endParaRPr>
+          </a:p>
+          <a:p>
+            <a:r>
+              <a:rPr lang="ru-RU" sz="1600" dirty="0">
+                <a:latin typeface="SB Sans Text" panose="020B0503040504020204"/>
+                <a:cs typeface="SB Sans Text" panose="020B0503040504020204" pitchFamily="34" charset="-52"/>
+              </a:rPr>
+              <a:t>Средняя и медианная зарплата в целом похожи, что говорит об отсутствии аномальных выбросов в выплатах.</a:t>
+            </a:r>
+          </a:p>
+          <a:p>
+            <a:r>
+              <a:rPr lang="ru-RU" sz="1600" dirty="0">
+                <a:latin typeface="SB Sans Text" panose="020B0503040504020204" pitchFamily="34" charset="-52"/>
+                <a:cs typeface="SB Sans Text" panose="020B0503040504020204" pitchFamily="34" charset="-52"/>
+              </a:rPr>
+              <a:t>Общая тенденция к росту выплат сохраняется по всем департаментам.</a:t>
+            </a:r>
+            <a:endParaRPr lang="en-US" sz="1600" dirty="0">
+              <a:latin typeface="SB Sans Text" panose="020B0503040504020204" pitchFamily="34" charset="-52"/>
+              <a:cs typeface="SB Sans Text" panose="020B0503040504020204" pitchFamily="34" charset="-52"/>
+            </a:endParaRPr>
+          </a:p>
+        </p:txBody>
+      </p:sp>
     </p:spTree>
     <p:extLst>
       <p:ext uri="{BB962C8B-B14F-4D97-AF65-F5344CB8AC3E}">
-        <p14:creationId xmlns:p14="http://schemas.microsoft.com/office/powerpoint/2010/main" val="2605331243"/>
+        <p14:creationId xmlns:p14="http://schemas.microsoft.com/office/powerpoint/2010/main" val="3235859061"/>
       </p:ext>
     </p:extLst>
   </p:cSld>
@@ -8956,7 +9722,7 @@
                 <a:latin typeface="SB Sans Display Light" panose="020B0303040504020204" pitchFamily="34" charset="0"/>
                 <a:cs typeface="SB Sans Display Light" panose="020B0303040504020204" pitchFamily="34" charset="0"/>
               </a:rPr>
-              <a:t>Количество сотрудников</a:t>
+              <a:t>Распределение ЗП</a:t>
             </a:r>
             <a:endParaRPr lang="en-US" sz="4000" dirty="0">
               <a:solidFill>
@@ -8968,12 +9734,61 @@
           </a:p>
         </p:txBody>
       </p:sp>
+      <p:sp>
+        <p:nvSpPr>
+          <p:cNvPr id="6" name="TextBox 5">
+            <a:extLst>
+              <a:ext uri="{FF2B5EF4-FFF2-40B4-BE49-F238E27FC236}">
+                <a16:creationId xmlns:a16="http://schemas.microsoft.com/office/drawing/2014/main" id="{A34B9C32-5D06-443C-9155-DDCEDEE79B65}"/>
+              </a:ext>
+            </a:extLst>
+          </p:cNvPr>
+          <p:cNvSpPr txBox="1"/>
+          <p:nvPr/>
+        </p:nvSpPr>
+        <p:spPr>
+          <a:xfrm>
+            <a:off x="325315" y="5094324"/>
+            <a:ext cx="11682110" cy="584775"/>
+          </a:xfrm>
+          <a:prstGeom prst="rect">
+            <a:avLst/>
+          </a:prstGeom>
+          <a:noFill/>
+        </p:spPr>
+        <p:txBody>
+          <a:bodyPr wrap="square" rtlCol="0">
+            <a:spAutoFit/>
+          </a:bodyPr>
+          <a:lstStyle/>
+          <a:p>
+            <a:r>
+              <a:rPr lang="ru-RU" sz="1600" dirty="0">
+                <a:latin typeface="SB Sans Text" panose="020B0503040504020204"/>
+                <a:cs typeface="SB Sans Text" panose="020B0503040504020204" pitchFamily="34" charset="-52"/>
+              </a:rPr>
+              <a:t>В целом по росту зарплат все департаменты опережают инфляцию, кроме Пожарной службы, которая последние два года имеет тренд на снижение ЗП</a:t>
+            </a:r>
+            <a:r>
+              <a:rPr lang="ru-RU" sz="1600" dirty="0">
+                <a:latin typeface="SB Sans Text" panose="020B0503040504020204" pitchFamily="34" charset="-52"/>
+                <a:cs typeface="SB Sans Text" panose="020B0503040504020204" pitchFamily="34" charset="-52"/>
+              </a:rPr>
+              <a:t>.</a:t>
+            </a:r>
+            <a:endParaRPr lang="en-US" sz="1600" dirty="0">
+              <a:latin typeface="SB Sans Text" panose="020B0503040504020204" pitchFamily="34" charset="-52"/>
+              <a:cs typeface="SB Sans Text" panose="020B0503040504020204" pitchFamily="34" charset="-52"/>
+            </a:endParaRPr>
+          </a:p>
+        </p:txBody>
+      </p:sp>
       <p:pic>
         <p:nvPicPr>
-          <p:cNvPr id="8" name="Рисунок 7">
+          <p:cNvPr id="9" name="Рисунок 8">
             <a:extLst>
               <a:ext uri="{FF2B5EF4-FFF2-40B4-BE49-F238E27FC236}">
-                <a16:creationId xmlns:a16="http://schemas.microsoft.com/office/drawing/2014/main" id="{BA1104A5-3443-47EC-8F89-DE56A863FC18}"/>
+                <a16:creationId xmlns:a16="http://schemas.microsoft.com/office/drawing/2014/main" id="{B368FF70-5514-447D-9E12-A8859018DBE8}"/>
               </a:ext>
             </a:extLst>
           </p:cNvPr>
@@ -8983,7 +9798,7 @@
           <p:nvPr/>
         </p:nvPicPr>
         <p:blipFill>
-          <a:blip r:embed="rId2">
+          <a:blip r:embed="rId2" cstate="print">
             <a:extLst>
               <a:ext uri="{28A0092B-C50C-407E-A947-70E740481C1C}">
                 <a14:useLocalDpi xmlns:a14="http://schemas.microsoft.com/office/drawing/2010/main" val="0"/>
@@ -8996,44 +9811,8 @@
         </p:blipFill>
         <p:spPr>
           <a:xfrm>
-            <a:off x="316848" y="1735666"/>
-            <a:ext cx="5779152" cy="3611970"/>
-          </a:xfrm>
-          <a:prstGeom prst="rect">
-            <a:avLst/>
-          </a:prstGeom>
-        </p:spPr>
-      </p:pic>
-      <p:pic>
-        <p:nvPicPr>
-          <p:cNvPr id="10" name="Рисунок 9">
-            <a:extLst>
-              <a:ext uri="{FF2B5EF4-FFF2-40B4-BE49-F238E27FC236}">
-                <a16:creationId xmlns:a16="http://schemas.microsoft.com/office/drawing/2014/main" id="{CC6E352A-8802-415C-BB2C-502A74350455}"/>
-              </a:ext>
-            </a:extLst>
-          </p:cNvPr>
-          <p:cNvPicPr>
-            <a:picLocks noChangeAspect="1"/>
-          </p:cNvPicPr>
-          <p:nvPr/>
-        </p:nvPicPr>
-        <p:blipFill>
-          <a:blip r:embed="rId3">
-            <a:extLst>
-              <a:ext uri="{28A0092B-C50C-407E-A947-70E740481C1C}">
-                <a14:useLocalDpi xmlns:a14="http://schemas.microsoft.com/office/drawing/2010/main" val="0"/>
-              </a:ext>
-            </a:extLst>
-          </a:blip>
-          <a:stretch>
-            <a:fillRect/>
-          </a:stretch>
-        </p:blipFill>
-        <p:spPr>
-          <a:xfrm>
-            <a:off x="6096000" y="2162290"/>
-            <a:ext cx="6096000" cy="2540000"/>
+            <a:off x="0" y="756139"/>
+            <a:ext cx="12192000" cy="4064000"/>
           </a:xfrm>
           <a:prstGeom prst="rect">
             <a:avLst/>
@@ -9043,7 +9822,7 @@
     </p:spTree>
     <p:extLst>
       <p:ext uri="{BB962C8B-B14F-4D97-AF65-F5344CB8AC3E}">
-        <p14:creationId xmlns:p14="http://schemas.microsoft.com/office/powerpoint/2010/main" val="910445274"/>
+        <p14:creationId xmlns:p14="http://schemas.microsoft.com/office/powerpoint/2010/main" val="3189366795"/>
       </p:ext>
     </p:extLst>
   </p:cSld>
